--- a/help/data-sheets/assets/EnterpriseSupportDatasheet.pptx
+++ b/help/data-sheets/assets/EnterpriseSupportDatasheet.pptx
@@ -141,12 +141,540 @@
 </p:cmAuthorLst>
 </file>
 
-<file path=ppt/revisionInfo.xml><?xml version="1.0" encoding="utf-8"?>
-<p1510:revInfo xmlns:a="http://schemas.openxmlformats.org/drawingml/2006/main" xmlns:r="http://schemas.openxmlformats.org/officeDocument/2006/relationships" xmlns:p1510="http://schemas.microsoft.com/office/powerpoint/2015/10/main">
-  <p1510:revLst>
-    <p1510:client id="{51054313-E3E9-A543-B651-B15A687DE6AB}" v="3" dt="2021-12-06T17:04:25.104"/>
-  </p1510:revLst>
-</p1510:revInfo>
+<file path=ppt/changesInfos/changesInfo1.xml><?xml version="1.0" encoding="utf-8"?>
+<pc:chgInfo xmlns:a="http://schemas.openxmlformats.org/drawingml/2006/main" xmlns:r="http://schemas.openxmlformats.org/officeDocument/2006/relationships" xmlns:ac="http://schemas.microsoft.com/office/drawing/2013/main/command" xmlns:pc="http://schemas.microsoft.com/office/powerpoint/2013/main/command">
+  <pc:docChgLst>
+    <pc:chgData name="Ankita Sood" userId="c93a62e3-2a47-429d-82c6-c2a8fd110ae7" providerId="ADAL" clId="{F52CA613-E759-D441-AA53-CD1E38E4D602}"/>
+    <pc:docChg chg="modSld">
+      <pc:chgData name="Ankita Sood" userId="c93a62e3-2a47-429d-82c6-c2a8fd110ae7" providerId="ADAL" clId="{F52CA613-E759-D441-AA53-CD1E38E4D602}" dt="2022-01-20T17:29:41.146" v="3" actId="20577"/>
+      <pc:docMkLst>
+        <pc:docMk/>
+      </pc:docMkLst>
+      <pc:sldChg chg="modSp mod">
+        <pc:chgData name="Ankita Sood" userId="c93a62e3-2a47-429d-82c6-c2a8fd110ae7" providerId="ADAL" clId="{F52CA613-E759-D441-AA53-CD1E38E4D602}" dt="2022-01-20T17:29:41.146" v="3" actId="20577"/>
+        <pc:sldMkLst>
+          <pc:docMk/>
+          <pc:sldMk cId="2161849182" sldId="267"/>
+        </pc:sldMkLst>
+        <pc:spChg chg="mod">
+          <ac:chgData name="Ankita Sood" userId="c93a62e3-2a47-429d-82c6-c2a8fd110ae7" providerId="ADAL" clId="{F52CA613-E759-D441-AA53-CD1E38E4D602}" dt="2022-01-20T17:27:01.168" v="2" actId="20577"/>
+          <ac:spMkLst>
+            <pc:docMk/>
+            <pc:sldMk cId="2161849182" sldId="267"/>
+            <ac:spMk id="12" creationId="{B5B9BF51-8921-A94B-954A-82B5B5874814}"/>
+          </ac:spMkLst>
+        </pc:spChg>
+        <pc:graphicFrameChg chg="modGraphic">
+          <ac:chgData name="Ankita Sood" userId="c93a62e3-2a47-429d-82c6-c2a8fd110ae7" providerId="ADAL" clId="{F52CA613-E759-D441-AA53-CD1E38E4D602}" dt="2022-01-20T17:29:41.146" v="3" actId="20577"/>
+          <ac:graphicFrameMkLst>
+            <pc:docMk/>
+            <pc:sldMk cId="2161849182" sldId="267"/>
+            <ac:graphicFrameMk id="13" creationId="{63DBC3ED-EEDC-974A-82A2-F5182CF12546}"/>
+          </ac:graphicFrameMkLst>
+        </pc:graphicFrameChg>
+      </pc:sldChg>
+    </pc:docChg>
+  </pc:docChgLst>
+  <pc:docChgLst>
+    <pc:chgData name="Lauren Schutte" userId="6e08b2d3-447a-4d66-86be-444d50df187f" providerId="ADAL" clId="{1A3D389F-0E00-444F-BDF7-5C174E20EEC2}"/>
+    <pc:docChg chg="undo custSel modSld">
+      <pc:chgData name="Lauren Schutte" userId="6e08b2d3-447a-4d66-86be-444d50df187f" providerId="ADAL" clId="{1A3D389F-0E00-444F-BDF7-5C174E20EEC2}" dt="2021-10-13T19:40:59.066" v="67" actId="20577"/>
+      <pc:docMkLst>
+        <pc:docMk/>
+      </pc:docMkLst>
+      <pc:sldChg chg="delSp modSp mod">
+        <pc:chgData name="Lauren Schutte" userId="6e08b2d3-447a-4d66-86be-444d50df187f" providerId="ADAL" clId="{1A3D389F-0E00-444F-BDF7-5C174E20EEC2}" dt="2021-10-13T19:40:25.578" v="61" actId="478"/>
+        <pc:sldMkLst>
+          <pc:docMk/>
+          <pc:sldMk cId="5960377" sldId="259"/>
+        </pc:sldMkLst>
+        <pc:spChg chg="mod">
+          <ac:chgData name="Lauren Schutte" userId="6e08b2d3-447a-4d66-86be-444d50df187f" providerId="ADAL" clId="{1A3D389F-0E00-444F-BDF7-5C174E20EEC2}" dt="2021-10-13T19:33:45.182" v="59" actId="20577"/>
+          <ac:spMkLst>
+            <pc:docMk/>
+            <pc:sldMk cId="5960377" sldId="259"/>
+            <ac:spMk id="127" creationId="{BB896A03-8E7E-344F-BDE1-37C49461FF04}"/>
+          </ac:spMkLst>
+        </pc:spChg>
+        <pc:grpChg chg="del mod">
+          <ac:chgData name="Lauren Schutte" userId="6e08b2d3-447a-4d66-86be-444d50df187f" providerId="ADAL" clId="{1A3D389F-0E00-444F-BDF7-5C174E20EEC2}" dt="2021-10-13T19:40:25.578" v="61" actId="478"/>
+          <ac:grpSpMkLst>
+            <pc:docMk/>
+            <pc:sldMk cId="5960377" sldId="259"/>
+            <ac:grpSpMk id="62" creationId="{C539739D-1D3E-204D-9819-C44D9AE36DE8}"/>
+          </ac:grpSpMkLst>
+        </pc:grpChg>
+      </pc:sldChg>
+      <pc:sldChg chg="modSp mod">
+        <pc:chgData name="Lauren Schutte" userId="6e08b2d3-447a-4d66-86be-444d50df187f" providerId="ADAL" clId="{1A3D389F-0E00-444F-BDF7-5C174E20EEC2}" dt="2021-10-13T19:40:59.066" v="67" actId="20577"/>
+        <pc:sldMkLst>
+          <pc:docMk/>
+          <pc:sldMk cId="2161849182" sldId="267"/>
+        </pc:sldMkLst>
+        <pc:spChg chg="mod">
+          <ac:chgData name="Lauren Schutte" userId="6e08b2d3-447a-4d66-86be-444d50df187f" providerId="ADAL" clId="{1A3D389F-0E00-444F-BDF7-5C174E20EEC2}" dt="2021-10-13T19:40:59.066" v="67" actId="20577"/>
+          <ac:spMkLst>
+            <pc:docMk/>
+            <pc:sldMk cId="2161849182" sldId="267"/>
+            <ac:spMk id="2" creationId="{00000000-0000-0000-0000-000000000000}"/>
+          </ac:spMkLst>
+        </pc:spChg>
+        <pc:graphicFrameChg chg="mod modGraphic">
+          <ac:chgData name="Lauren Schutte" userId="6e08b2d3-447a-4d66-86be-444d50df187f" providerId="ADAL" clId="{1A3D389F-0E00-444F-BDF7-5C174E20EEC2}" dt="2021-10-13T19:33:05.183" v="58"/>
+          <ac:graphicFrameMkLst>
+            <pc:docMk/>
+            <pc:sldMk cId="2161849182" sldId="267"/>
+            <ac:graphicFrameMk id="9" creationId="{00000000-0000-0000-0000-000000000000}"/>
+          </ac:graphicFrameMkLst>
+        </pc:graphicFrameChg>
+      </pc:sldChg>
+    </pc:docChg>
+  </pc:docChgLst>
+  <pc:docChgLst>
+    <pc:chgData name="Lauren Schutte" userId="6e08b2d3-447a-4d66-86be-444d50df187f" providerId="ADAL" clId="{51054313-E3E9-A543-B651-B15A687DE6AB}"/>
+    <pc:docChg chg="custSel modSld">
+      <pc:chgData name="Lauren Schutte" userId="6e08b2d3-447a-4d66-86be-444d50df187f" providerId="ADAL" clId="{51054313-E3E9-A543-B651-B15A687DE6AB}" dt="2021-12-06T17:05:18.742" v="125" actId="20577"/>
+      <pc:docMkLst>
+        <pc:docMk/>
+      </pc:docMkLst>
+      <pc:sldChg chg="modSp mod">
+        <pc:chgData name="Lauren Schutte" userId="6e08b2d3-447a-4d66-86be-444d50df187f" providerId="ADAL" clId="{51054313-E3E9-A543-B651-B15A687DE6AB}" dt="2021-12-06T17:05:18.742" v="125" actId="20577"/>
+        <pc:sldMkLst>
+          <pc:docMk/>
+          <pc:sldMk cId="2161849182" sldId="267"/>
+        </pc:sldMkLst>
+        <pc:graphicFrameChg chg="mod modGraphic">
+          <ac:chgData name="Lauren Schutte" userId="6e08b2d3-447a-4d66-86be-444d50df187f" providerId="ADAL" clId="{51054313-E3E9-A543-B651-B15A687DE6AB}" dt="2021-12-06T17:05:18.742" v="125" actId="20577"/>
+          <ac:graphicFrameMkLst>
+            <pc:docMk/>
+            <pc:sldMk cId="2161849182" sldId="267"/>
+            <ac:graphicFrameMk id="9" creationId="{00000000-0000-0000-0000-000000000000}"/>
+          </ac:graphicFrameMkLst>
+        </pc:graphicFrameChg>
+      </pc:sldChg>
+    </pc:docChg>
+  </pc:docChgLst>
+  <pc:docChgLst>
+    <pc:chgData name="Akilah Johnson" userId="S::akjohnso@adobe.com::2fa3aa60-0c9c-4d06-bae2-795983241227" providerId="AD" clId="Web-{D02E726A-82A5-CF13-9EBE-9B674D878D37}"/>
+    <pc:docChg chg="modSld">
+      <pc:chgData name="Akilah Johnson" userId="S::akjohnso@adobe.com::2fa3aa60-0c9c-4d06-bae2-795983241227" providerId="AD" clId="Web-{D02E726A-82A5-CF13-9EBE-9B674D878D37}" dt="2021-10-12T19:51:27.470" v="10"/>
+      <pc:docMkLst>
+        <pc:docMk/>
+      </pc:docMkLst>
+      <pc:sldChg chg="modSp delCm">
+        <pc:chgData name="Akilah Johnson" userId="S::akjohnso@adobe.com::2fa3aa60-0c9c-4d06-bae2-795983241227" providerId="AD" clId="Web-{D02E726A-82A5-CF13-9EBE-9B674D878D37}" dt="2021-10-12T19:51:27.470" v="10"/>
+        <pc:sldMkLst>
+          <pc:docMk/>
+          <pc:sldMk cId="2161849182" sldId="267"/>
+        </pc:sldMkLst>
+        <pc:spChg chg="mod">
+          <ac:chgData name="Akilah Johnson" userId="S::akjohnso@adobe.com::2fa3aa60-0c9c-4d06-bae2-795983241227" providerId="AD" clId="Web-{D02E726A-82A5-CF13-9EBE-9B674D878D37}" dt="2021-10-12T19:51:04.127" v="8" actId="20577"/>
+          <ac:spMkLst>
+            <pc:docMk/>
+            <pc:sldMk cId="2161849182" sldId="267"/>
+            <ac:spMk id="2" creationId="{00000000-0000-0000-0000-000000000000}"/>
+          </ac:spMkLst>
+        </pc:spChg>
+      </pc:sldChg>
+    </pc:docChg>
+  </pc:docChgLst>
+  <pc:docChgLst>
+    <pc:chgData name="Akilah Johnson" userId="S::akjohnso@adobe.com::2fa3aa60-0c9c-4d06-bae2-795983241227" providerId="AD" clId="Web-{112231ED-4F38-A856-2EFF-9D0F88AC9BDF}"/>
+    <pc:docChg chg="modSld">
+      <pc:chgData name="Akilah Johnson" userId="S::akjohnso@adobe.com::2fa3aa60-0c9c-4d06-bae2-795983241227" providerId="AD" clId="Web-{112231ED-4F38-A856-2EFF-9D0F88AC9BDF}" dt="2021-09-22T19:11:31.474" v="2" actId="1076"/>
+      <pc:docMkLst>
+        <pc:docMk/>
+      </pc:docMkLst>
+      <pc:sldChg chg="modSp">
+        <pc:chgData name="Akilah Johnson" userId="S::akjohnso@adobe.com::2fa3aa60-0c9c-4d06-bae2-795983241227" providerId="AD" clId="Web-{112231ED-4F38-A856-2EFF-9D0F88AC9BDF}" dt="2021-09-22T19:11:31.474" v="2" actId="1076"/>
+        <pc:sldMkLst>
+          <pc:docMk/>
+          <pc:sldMk cId="1050037809" sldId="261"/>
+        </pc:sldMkLst>
+        <pc:spChg chg="mod">
+          <ac:chgData name="Akilah Johnson" userId="S::akjohnso@adobe.com::2fa3aa60-0c9c-4d06-bae2-795983241227" providerId="AD" clId="Web-{112231ED-4F38-A856-2EFF-9D0F88AC9BDF}" dt="2021-09-22T19:11:31.474" v="2" actId="1076"/>
+          <ac:spMkLst>
+            <pc:docMk/>
+            <pc:sldMk cId="1050037809" sldId="261"/>
+            <ac:spMk id="23" creationId="{00000000-0000-0000-0000-000000000000}"/>
+          </ac:spMkLst>
+        </pc:spChg>
+        <pc:spChg chg="mod">
+          <ac:chgData name="Akilah Johnson" userId="S::akjohnso@adobe.com::2fa3aa60-0c9c-4d06-bae2-795983241227" providerId="AD" clId="Web-{112231ED-4F38-A856-2EFF-9D0F88AC9BDF}" dt="2021-09-22T19:08:28.879" v="0" actId="1076"/>
+          <ac:spMkLst>
+            <pc:docMk/>
+            <pc:sldMk cId="1050037809" sldId="261"/>
+            <ac:spMk id="64" creationId="{41467BDC-3D83-D844-B922-CD07E94E5AAB}"/>
+          </ac:spMkLst>
+        </pc:spChg>
+      </pc:sldChg>
+    </pc:docChg>
+  </pc:docChgLst>
+  <pc:docChgLst>
+    <pc:chgData name="Andy Witt" userId="S::awitt@adobe.com::e9157bdf-53b2-40e4-9459-936793d75696" providerId="AD" clId="Web-{3F02B349-0406-AE51-D438-E7A0BE890230}"/>
+    <pc:docChg chg="modSld">
+      <pc:chgData name="Andy Witt" userId="S::awitt@adobe.com::e9157bdf-53b2-40e4-9459-936793d75696" providerId="AD" clId="Web-{3F02B349-0406-AE51-D438-E7A0BE890230}" dt="2021-08-25T18:45:07.550" v="11"/>
+      <pc:docMkLst>
+        <pc:docMk/>
+      </pc:docMkLst>
+      <pc:sldChg chg="modSp">
+        <pc:chgData name="Andy Witt" userId="S::awitt@adobe.com::e9157bdf-53b2-40e4-9459-936793d75696" providerId="AD" clId="Web-{3F02B349-0406-AE51-D438-E7A0BE890230}" dt="2021-08-25T18:45:07.550" v="11"/>
+        <pc:sldMkLst>
+          <pc:docMk/>
+          <pc:sldMk cId="1050037809" sldId="261"/>
+        </pc:sldMkLst>
+        <pc:graphicFrameChg chg="mod modGraphic">
+          <ac:chgData name="Andy Witt" userId="S::awitt@adobe.com::e9157bdf-53b2-40e4-9459-936793d75696" providerId="AD" clId="Web-{3F02B349-0406-AE51-D438-E7A0BE890230}" dt="2021-08-25T18:45:07.550" v="11"/>
+          <ac:graphicFrameMkLst>
+            <pc:docMk/>
+            <pc:sldMk cId="1050037809" sldId="261"/>
+            <ac:graphicFrameMk id="25" creationId="{3A91F5B0-3974-A14D-A146-FB590F2AAD18}"/>
+          </ac:graphicFrameMkLst>
+        </pc:graphicFrameChg>
+      </pc:sldChg>
+    </pc:docChg>
+  </pc:docChgLst>
+  <pc:docChgLst>
+    <pc:chgData name="Ankita Sood" userId="S::asood@adobe.com::c93a62e3-2a47-429d-82c6-c2a8fd110ae7" providerId="AD" clId="Web-{5EA87E00-148E-AB9F-558F-52E0C44EDC93}"/>
+    <pc:docChg chg="modSld">
+      <pc:chgData name="Ankita Sood" userId="S::asood@adobe.com::c93a62e3-2a47-429d-82c6-c2a8fd110ae7" providerId="AD" clId="Web-{5EA87E00-148E-AB9F-558F-52E0C44EDC93}" dt="2022-01-13T18:29:42.444" v="16" actId="20577"/>
+      <pc:docMkLst>
+        <pc:docMk/>
+      </pc:docMkLst>
+      <pc:sldChg chg="modSp">
+        <pc:chgData name="Ankita Sood" userId="S::asood@adobe.com::c93a62e3-2a47-429d-82c6-c2a8fd110ae7" providerId="AD" clId="Web-{5EA87E00-148E-AB9F-558F-52E0C44EDC93}" dt="2022-01-13T18:29:22.131" v="3" actId="20577"/>
+        <pc:sldMkLst>
+          <pc:docMk/>
+          <pc:sldMk cId="5960377" sldId="259"/>
+        </pc:sldMkLst>
+        <pc:spChg chg="mod">
+          <ac:chgData name="Ankita Sood" userId="S::asood@adobe.com::c93a62e3-2a47-429d-82c6-c2a8fd110ae7" providerId="AD" clId="Web-{5EA87E00-148E-AB9F-558F-52E0C44EDC93}" dt="2022-01-13T18:29:22.131" v="3" actId="20577"/>
+          <ac:spMkLst>
+            <pc:docMk/>
+            <pc:sldMk cId="5960377" sldId="259"/>
+            <ac:spMk id="94" creationId="{361FB899-EBCA-A144-BC72-6D65DDDA1D5D}"/>
+          </ac:spMkLst>
+        </pc:spChg>
+      </pc:sldChg>
+      <pc:sldChg chg="modSp">
+        <pc:chgData name="Ankita Sood" userId="S::asood@adobe.com::c93a62e3-2a47-429d-82c6-c2a8fd110ae7" providerId="AD" clId="Web-{5EA87E00-148E-AB9F-558F-52E0C44EDC93}" dt="2022-01-13T18:29:42.444" v="16" actId="20577"/>
+        <pc:sldMkLst>
+          <pc:docMk/>
+          <pc:sldMk cId="2161849182" sldId="267"/>
+        </pc:sldMkLst>
+        <pc:spChg chg="mod">
+          <ac:chgData name="Ankita Sood" userId="S::asood@adobe.com::c93a62e3-2a47-429d-82c6-c2a8fd110ae7" providerId="AD" clId="Web-{5EA87E00-148E-AB9F-558F-52E0C44EDC93}" dt="2022-01-13T18:29:42.444" v="16" actId="20577"/>
+          <ac:spMkLst>
+            <pc:docMk/>
+            <pc:sldMk cId="2161849182" sldId="267"/>
+            <ac:spMk id="12" creationId="{B5B9BF51-8921-A94B-954A-82B5B5874814}"/>
+          </ac:spMkLst>
+        </pc:spChg>
+        <pc:graphicFrameChg chg="mod modGraphic">
+          <ac:chgData name="Ankita Sood" userId="S::asood@adobe.com::c93a62e3-2a47-429d-82c6-c2a8fd110ae7" providerId="AD" clId="Web-{5EA87E00-148E-AB9F-558F-52E0C44EDC93}" dt="2022-01-13T18:29:37.693" v="15"/>
+          <ac:graphicFrameMkLst>
+            <pc:docMk/>
+            <pc:sldMk cId="2161849182" sldId="267"/>
+            <ac:graphicFrameMk id="9" creationId="{00000000-0000-0000-0000-000000000000}"/>
+          </ac:graphicFrameMkLst>
+        </pc:graphicFrameChg>
+        <pc:graphicFrameChg chg="mod modGraphic">
+          <ac:chgData name="Ankita Sood" userId="S::asood@adobe.com::c93a62e3-2a47-429d-82c6-c2a8fd110ae7" providerId="AD" clId="Web-{5EA87E00-148E-AB9F-558F-52E0C44EDC93}" dt="2022-01-13T18:29:31.787" v="5"/>
+          <ac:graphicFrameMkLst>
+            <pc:docMk/>
+            <pc:sldMk cId="2161849182" sldId="267"/>
+            <ac:graphicFrameMk id="13" creationId="{63DBC3ED-EEDC-974A-82A2-F5182CF12546}"/>
+          </ac:graphicFrameMkLst>
+        </pc:graphicFrameChg>
+      </pc:sldChg>
+    </pc:docChg>
+  </pc:docChgLst>
+  <pc:docChgLst>
+    <pc:chgData name="Akilah Johnson" userId="2fa3aa60-0c9c-4d06-bae2-795983241227" providerId="ADAL" clId="{7598C71F-6B67-2947-B18A-AD3AFAF83B9E}"/>
+    <pc:docChg chg="modSld">
+      <pc:chgData name="Akilah Johnson" userId="2fa3aa60-0c9c-4d06-bae2-795983241227" providerId="ADAL" clId="{7598C71F-6B67-2947-B18A-AD3AFAF83B9E}" dt="2021-11-24T00:03:04.956" v="14" actId="20577"/>
+      <pc:docMkLst>
+        <pc:docMk/>
+      </pc:docMkLst>
+      <pc:sldChg chg="modSp mod">
+        <pc:chgData name="Akilah Johnson" userId="2fa3aa60-0c9c-4d06-bae2-795983241227" providerId="ADAL" clId="{7598C71F-6B67-2947-B18A-AD3AFAF83B9E}" dt="2021-11-24T00:03:04.956" v="14" actId="20577"/>
+        <pc:sldMkLst>
+          <pc:docMk/>
+          <pc:sldMk cId="2161849182" sldId="267"/>
+        </pc:sldMkLst>
+        <pc:graphicFrameChg chg="modGraphic">
+          <ac:chgData name="Akilah Johnson" userId="2fa3aa60-0c9c-4d06-bae2-795983241227" providerId="ADAL" clId="{7598C71F-6B67-2947-B18A-AD3AFAF83B9E}" dt="2021-11-24T00:03:04.956" v="14" actId="20577"/>
+          <ac:graphicFrameMkLst>
+            <pc:docMk/>
+            <pc:sldMk cId="2161849182" sldId="267"/>
+            <ac:graphicFrameMk id="9" creationId="{00000000-0000-0000-0000-000000000000}"/>
+          </ac:graphicFrameMkLst>
+        </pc:graphicFrameChg>
+      </pc:sldChg>
+    </pc:docChg>
+  </pc:docChgLst>
+  <pc:docChgLst>
+    <pc:chgData name="Akilah Johnson" userId="S::akjohnso@adobe.com::2fa3aa60-0c9c-4d06-bae2-795983241227" providerId="AD" clId="Web-{3CA2F123-FAC9-2CDD-7937-C83283BA7837}"/>
+    <pc:docChg chg="modSld">
+      <pc:chgData name="Akilah Johnson" userId="S::akjohnso@adobe.com::2fa3aa60-0c9c-4d06-bae2-795983241227" providerId="AD" clId="Web-{3CA2F123-FAC9-2CDD-7937-C83283BA7837}" dt="2021-09-16T20:58:19.458" v="0" actId="1076"/>
+      <pc:docMkLst>
+        <pc:docMk/>
+      </pc:docMkLst>
+      <pc:sldChg chg="modSp">
+        <pc:chgData name="Akilah Johnson" userId="S::akjohnso@adobe.com::2fa3aa60-0c9c-4d06-bae2-795983241227" providerId="AD" clId="Web-{3CA2F123-FAC9-2CDD-7937-C83283BA7837}" dt="2021-09-16T20:58:19.458" v="0" actId="1076"/>
+        <pc:sldMkLst>
+          <pc:docMk/>
+          <pc:sldMk cId="717026355" sldId="266"/>
+        </pc:sldMkLst>
+        <pc:spChg chg="mod">
+          <ac:chgData name="Akilah Johnson" userId="S::akjohnso@adobe.com::2fa3aa60-0c9c-4d06-bae2-795983241227" providerId="AD" clId="Web-{3CA2F123-FAC9-2CDD-7937-C83283BA7837}" dt="2021-09-16T20:58:19.458" v="0" actId="1076"/>
+          <ac:spMkLst>
+            <pc:docMk/>
+            <pc:sldMk cId="717026355" sldId="266"/>
+            <ac:spMk id="83" creationId="{BB34E685-A734-974B-A33A-BE51D1A8BC0D}"/>
+          </ac:spMkLst>
+        </pc:spChg>
+      </pc:sldChg>
+    </pc:docChg>
+  </pc:docChgLst>
+  <pc:docChgLst>
+    <pc:chgData name="Akilah Johnson" userId="S::akjohnso@adobe.com::2fa3aa60-0c9c-4d06-bae2-795983241227" providerId="AD" clId="Web-{DC554207-FA81-638A-220E-C39F63BF408A}"/>
+    <pc:docChg chg="modSld">
+      <pc:chgData name="Akilah Johnson" userId="S::akjohnso@adobe.com::2fa3aa60-0c9c-4d06-bae2-795983241227" providerId="AD" clId="Web-{DC554207-FA81-638A-220E-C39F63BF408A}" dt="2021-11-23T23:50:17.249" v="7"/>
+      <pc:docMkLst>
+        <pc:docMk/>
+      </pc:docMkLst>
+      <pc:sldChg chg="modSp">
+        <pc:chgData name="Akilah Johnson" userId="S::akjohnso@adobe.com::2fa3aa60-0c9c-4d06-bae2-795983241227" providerId="AD" clId="Web-{DC554207-FA81-638A-220E-C39F63BF408A}" dt="2021-11-23T23:50:17.249" v="7"/>
+        <pc:sldMkLst>
+          <pc:docMk/>
+          <pc:sldMk cId="2161849182" sldId="267"/>
+        </pc:sldMkLst>
+        <pc:graphicFrameChg chg="mod modGraphic">
+          <ac:chgData name="Akilah Johnson" userId="S::akjohnso@adobe.com::2fa3aa60-0c9c-4d06-bae2-795983241227" providerId="AD" clId="Web-{DC554207-FA81-638A-220E-C39F63BF408A}" dt="2021-11-23T23:50:17.249" v="7"/>
+          <ac:graphicFrameMkLst>
+            <pc:docMk/>
+            <pc:sldMk cId="2161849182" sldId="267"/>
+            <ac:graphicFrameMk id="9" creationId="{00000000-0000-0000-0000-000000000000}"/>
+          </ac:graphicFrameMkLst>
+        </pc:graphicFrameChg>
+      </pc:sldChg>
+    </pc:docChg>
+  </pc:docChgLst>
+  <pc:docChgLst>
+    <pc:chgData name="Akilah Johnson" userId="S::akjohnso@adobe.com::2fa3aa60-0c9c-4d06-bae2-795983241227" providerId="AD" clId="Web-{0AB2EF93-BE08-D205-D43E-3B568BB37DAA}"/>
+    <pc:docChg chg="modSld">
+      <pc:chgData name="Akilah Johnson" userId="S::akjohnso@adobe.com::2fa3aa60-0c9c-4d06-bae2-795983241227" providerId="AD" clId="Web-{0AB2EF93-BE08-D205-D43E-3B568BB37DAA}" dt="2021-09-22T23:01:45.877" v="13"/>
+      <pc:docMkLst>
+        <pc:docMk/>
+      </pc:docMkLst>
+      <pc:sldChg chg="modSp">
+        <pc:chgData name="Akilah Johnson" userId="S::akjohnso@adobe.com::2fa3aa60-0c9c-4d06-bae2-795983241227" providerId="AD" clId="Web-{0AB2EF93-BE08-D205-D43E-3B568BB37DAA}" dt="2021-09-22T23:01:45.877" v="13"/>
+        <pc:sldMkLst>
+          <pc:docMk/>
+          <pc:sldMk cId="1050037809" sldId="261"/>
+        </pc:sldMkLst>
+        <pc:graphicFrameChg chg="mod modGraphic">
+          <ac:chgData name="Akilah Johnson" userId="S::akjohnso@adobe.com::2fa3aa60-0c9c-4d06-bae2-795983241227" providerId="AD" clId="Web-{0AB2EF93-BE08-D205-D43E-3B568BB37DAA}" dt="2021-09-22T23:01:45.877" v="13"/>
+          <ac:graphicFrameMkLst>
+            <pc:docMk/>
+            <pc:sldMk cId="1050037809" sldId="261"/>
+            <ac:graphicFrameMk id="25" creationId="{3A91F5B0-3974-A14D-A146-FB590F2AAD18}"/>
+          </ac:graphicFrameMkLst>
+        </pc:graphicFrameChg>
+      </pc:sldChg>
+    </pc:docChg>
+  </pc:docChgLst>
+  <pc:docChgLst>
+    <pc:chgData name="Akilah Johnson" userId="S::akjohnso@adobe.com::2fa3aa60-0c9c-4d06-bae2-795983241227" providerId="AD" clId="Web-{19826C17-B3F5-53A1-AAFF-C7771804C7A7}"/>
+    <pc:docChg chg="modSld">
+      <pc:chgData name="Akilah Johnson" userId="S::akjohnso@adobe.com::2fa3aa60-0c9c-4d06-bae2-795983241227" providerId="AD" clId="Web-{19826C17-B3F5-53A1-AAFF-C7771804C7A7}" dt="2021-10-13T18:50:21.160" v="67"/>
+      <pc:docMkLst>
+        <pc:docMk/>
+      </pc:docMkLst>
+      <pc:sldChg chg="modSp">
+        <pc:chgData name="Akilah Johnson" userId="S::akjohnso@adobe.com::2fa3aa60-0c9c-4d06-bae2-795983241227" providerId="AD" clId="Web-{19826C17-B3F5-53A1-AAFF-C7771804C7A7}" dt="2021-10-13T18:38:26.810" v="9" actId="20577"/>
+        <pc:sldMkLst>
+          <pc:docMk/>
+          <pc:sldMk cId="5960377" sldId="259"/>
+        </pc:sldMkLst>
+        <pc:spChg chg="mod">
+          <ac:chgData name="Akilah Johnson" userId="S::akjohnso@adobe.com::2fa3aa60-0c9c-4d06-bae2-795983241227" providerId="AD" clId="Web-{19826C17-B3F5-53A1-AAFF-C7771804C7A7}" dt="2021-10-13T18:38:26.810" v="9" actId="20577"/>
+          <ac:spMkLst>
+            <pc:docMk/>
+            <pc:sldMk cId="5960377" sldId="259"/>
+            <ac:spMk id="75" creationId="{4602CC83-B0C7-8445-9007-87E67CDDD9D0}"/>
+          </ac:spMkLst>
+        </pc:spChg>
+        <pc:spChg chg="mod">
+          <ac:chgData name="Akilah Johnson" userId="S::akjohnso@adobe.com::2fa3aa60-0c9c-4d06-bae2-795983241227" providerId="AD" clId="Web-{19826C17-B3F5-53A1-AAFF-C7771804C7A7}" dt="2021-10-13T18:38:17.716" v="5" actId="20577"/>
+          <ac:spMkLst>
+            <pc:docMk/>
+            <pc:sldMk cId="5960377" sldId="259"/>
+            <ac:spMk id="83" creationId="{7A016ADC-2A30-8A4B-BE07-A9AB6C1898A7}"/>
+          </ac:spMkLst>
+        </pc:spChg>
+        <pc:spChg chg="mod">
+          <ac:chgData name="Akilah Johnson" userId="S::akjohnso@adobe.com::2fa3aa60-0c9c-4d06-bae2-795983241227" providerId="AD" clId="Web-{19826C17-B3F5-53A1-AAFF-C7771804C7A7}" dt="2021-10-13T18:38:19.654" v="6" actId="20577"/>
+          <ac:spMkLst>
+            <pc:docMk/>
+            <pc:sldMk cId="5960377" sldId="259"/>
+            <ac:spMk id="87" creationId="{57C0C871-6516-F145-97DA-27A143E6185C}"/>
+          </ac:spMkLst>
+        </pc:spChg>
+        <pc:spChg chg="mod">
+          <ac:chgData name="Akilah Johnson" userId="S::akjohnso@adobe.com::2fa3aa60-0c9c-4d06-bae2-795983241227" providerId="AD" clId="Web-{19826C17-B3F5-53A1-AAFF-C7771804C7A7}" dt="2021-10-13T18:38:14.044" v="4" actId="20577"/>
+          <ac:spMkLst>
+            <pc:docMk/>
+            <pc:sldMk cId="5960377" sldId="259"/>
+            <ac:spMk id="124" creationId="{14AAF776-9013-4C40-92F9-FFFE22C4038F}"/>
+          </ac:spMkLst>
+        </pc:spChg>
+        <pc:spChg chg="mod">
+          <ac:chgData name="Akilah Johnson" userId="S::akjohnso@adobe.com::2fa3aa60-0c9c-4d06-bae2-795983241227" providerId="AD" clId="Web-{19826C17-B3F5-53A1-AAFF-C7771804C7A7}" dt="2021-10-13T18:38:10.013" v="2" actId="20577"/>
+          <ac:spMkLst>
+            <pc:docMk/>
+            <pc:sldMk cId="5960377" sldId="259"/>
+            <ac:spMk id="125" creationId="{AF4EBBF5-5438-A043-B9AA-3822381D52EE}"/>
+          </ac:spMkLst>
+        </pc:spChg>
+        <pc:spChg chg="mod">
+          <ac:chgData name="Akilah Johnson" userId="S::akjohnso@adobe.com::2fa3aa60-0c9c-4d06-bae2-795983241227" providerId="AD" clId="Web-{19826C17-B3F5-53A1-AAFF-C7771804C7A7}" dt="2021-10-13T18:38:12.263" v="3" actId="20577"/>
+          <ac:spMkLst>
+            <pc:docMk/>
+            <pc:sldMk cId="5960377" sldId="259"/>
+            <ac:spMk id="126" creationId="{7F65676D-32E4-7B4B-BB85-4D504B5882BD}"/>
+          </ac:spMkLst>
+        </pc:spChg>
+      </pc:sldChg>
+      <pc:sldChg chg="modSp">
+        <pc:chgData name="Akilah Johnson" userId="S::akjohnso@adobe.com::2fa3aa60-0c9c-4d06-bae2-795983241227" providerId="AD" clId="Web-{19826C17-B3F5-53A1-AAFF-C7771804C7A7}" dt="2021-10-13T18:40:23.717" v="19" actId="20577"/>
+        <pc:sldMkLst>
+          <pc:docMk/>
+          <pc:sldMk cId="1050037809" sldId="261"/>
+        </pc:sldMkLst>
+        <pc:spChg chg="mod">
+          <ac:chgData name="Akilah Johnson" userId="S::akjohnso@adobe.com::2fa3aa60-0c9c-4d06-bae2-795983241227" providerId="AD" clId="Web-{19826C17-B3F5-53A1-AAFF-C7771804C7A7}" dt="2021-10-13T18:40:23.717" v="19" actId="20577"/>
+          <ac:spMkLst>
+            <pc:docMk/>
+            <pc:sldMk cId="1050037809" sldId="261"/>
+            <ac:spMk id="56" creationId="{00000000-0000-0000-0000-000000000000}"/>
+          </ac:spMkLst>
+        </pc:spChg>
+        <pc:graphicFrameChg chg="mod modGraphic">
+          <ac:chgData name="Akilah Johnson" userId="S::akjohnso@adobe.com::2fa3aa60-0c9c-4d06-bae2-795983241227" providerId="AD" clId="Web-{19826C17-B3F5-53A1-AAFF-C7771804C7A7}" dt="2021-10-13T18:39:38.154" v="17"/>
+          <ac:graphicFrameMkLst>
+            <pc:docMk/>
+            <pc:sldMk cId="1050037809" sldId="261"/>
+            <ac:graphicFrameMk id="111" creationId="{D8653CEC-4213-DE40-9BAF-D1E3318FF89C}"/>
+          </ac:graphicFrameMkLst>
+        </pc:graphicFrameChg>
+      </pc:sldChg>
+      <pc:sldChg chg="modSp">
+        <pc:chgData name="Akilah Johnson" userId="S::akjohnso@adobe.com::2fa3aa60-0c9c-4d06-bae2-795983241227" providerId="AD" clId="Web-{19826C17-B3F5-53A1-AAFF-C7771804C7A7}" dt="2021-10-13T18:39:10.373" v="15" actId="20577"/>
+        <pc:sldMkLst>
+          <pc:docMk/>
+          <pc:sldMk cId="717026355" sldId="266"/>
+        </pc:sldMkLst>
+        <pc:spChg chg="mod">
+          <ac:chgData name="Akilah Johnson" userId="S::akjohnso@adobe.com::2fa3aa60-0c9c-4d06-bae2-795983241227" providerId="AD" clId="Web-{19826C17-B3F5-53A1-AAFF-C7771804C7A7}" dt="2021-10-13T18:39:10.373" v="15" actId="20577"/>
+          <ac:spMkLst>
+            <pc:docMk/>
+            <pc:sldMk cId="717026355" sldId="266"/>
+            <ac:spMk id="9" creationId="{00000000-0000-0000-0000-000000000000}"/>
+          </ac:spMkLst>
+        </pc:spChg>
+        <pc:spChg chg="mod">
+          <ac:chgData name="Akilah Johnson" userId="S::akjohnso@adobe.com::2fa3aa60-0c9c-4d06-bae2-795983241227" providerId="AD" clId="Web-{19826C17-B3F5-53A1-AAFF-C7771804C7A7}" dt="2021-10-13T18:38:44.029" v="11" actId="20577"/>
+          <ac:spMkLst>
+            <pc:docMk/>
+            <pc:sldMk cId="717026355" sldId="266"/>
+            <ac:spMk id="82" creationId="{F6061E8D-9723-464D-AA49-7A3A3A02BE92}"/>
+          </ac:spMkLst>
+        </pc:spChg>
+        <pc:spChg chg="mod">
+          <ac:chgData name="Akilah Johnson" userId="S::akjohnso@adobe.com::2fa3aa60-0c9c-4d06-bae2-795983241227" providerId="AD" clId="Web-{19826C17-B3F5-53A1-AAFF-C7771804C7A7}" dt="2021-10-13T18:39:00.638" v="13" actId="20577"/>
+          <ac:spMkLst>
+            <pc:docMk/>
+            <pc:sldMk cId="717026355" sldId="266"/>
+            <ac:spMk id="83" creationId="{BB34E685-A734-974B-A33A-BE51D1A8BC0D}"/>
+          </ac:spMkLst>
+        </pc:spChg>
+      </pc:sldChg>
+      <pc:sldChg chg="modSp">
+        <pc:chgData name="Akilah Johnson" userId="S::akjohnso@adobe.com::2fa3aa60-0c9c-4d06-bae2-795983241227" providerId="AD" clId="Web-{19826C17-B3F5-53A1-AAFF-C7771804C7A7}" dt="2021-10-13T18:50:21.160" v="67"/>
+        <pc:sldMkLst>
+          <pc:docMk/>
+          <pc:sldMk cId="2161849182" sldId="267"/>
+        </pc:sldMkLst>
+        <pc:graphicFrameChg chg="mod modGraphic">
+          <ac:chgData name="Akilah Johnson" userId="S::akjohnso@adobe.com::2fa3aa60-0c9c-4d06-bae2-795983241227" providerId="AD" clId="Web-{19826C17-B3F5-53A1-AAFF-C7771804C7A7}" dt="2021-10-13T18:50:21.160" v="67"/>
+          <ac:graphicFrameMkLst>
+            <pc:docMk/>
+            <pc:sldMk cId="2161849182" sldId="267"/>
+            <ac:graphicFrameMk id="9" creationId="{00000000-0000-0000-0000-000000000000}"/>
+          </ac:graphicFrameMkLst>
+        </pc:graphicFrameChg>
+      </pc:sldChg>
+    </pc:docChg>
+  </pc:docChgLst>
+  <pc:docChgLst>
+    <pc:chgData name="Akilah Johnson" userId="S::akjohnso@adobe.com::2fa3aa60-0c9c-4d06-bae2-795983241227" providerId="AD" clId="Web-{A40C3D7D-993B-38B2-2DDA-C562505A1054}"/>
+    <pc:docChg chg="modSld">
+      <pc:chgData name="Akilah Johnson" userId="S::akjohnso@adobe.com::2fa3aa60-0c9c-4d06-bae2-795983241227" providerId="AD" clId="Web-{A40C3D7D-993B-38B2-2DDA-C562505A1054}" dt="2021-09-22T23:00:46.860" v="3"/>
+      <pc:docMkLst>
+        <pc:docMk/>
+      </pc:docMkLst>
+      <pc:sldChg chg="modSp">
+        <pc:chgData name="Akilah Johnson" userId="S::akjohnso@adobe.com::2fa3aa60-0c9c-4d06-bae2-795983241227" providerId="AD" clId="Web-{A40C3D7D-993B-38B2-2DDA-C562505A1054}" dt="2021-09-22T23:00:46.860" v="3"/>
+        <pc:sldMkLst>
+          <pc:docMk/>
+          <pc:sldMk cId="1050037809" sldId="261"/>
+        </pc:sldMkLst>
+        <pc:graphicFrameChg chg="mod modGraphic">
+          <ac:chgData name="Akilah Johnson" userId="S::akjohnso@adobe.com::2fa3aa60-0c9c-4d06-bae2-795983241227" providerId="AD" clId="Web-{A40C3D7D-993B-38B2-2DDA-C562505A1054}" dt="2021-09-22T23:00:46.860" v="3"/>
+          <ac:graphicFrameMkLst>
+            <pc:docMk/>
+            <pc:sldMk cId="1050037809" sldId="261"/>
+            <ac:graphicFrameMk id="25" creationId="{3A91F5B0-3974-A14D-A146-FB590F2AAD18}"/>
+          </ac:graphicFrameMkLst>
+        </pc:graphicFrameChg>
+      </pc:sldChg>
+    </pc:docChg>
+  </pc:docChgLst>
+  <pc:docChgLst>
+    <pc:chgData name="Akilah Johnson" userId="S::akjohnso@adobe.com::2fa3aa60-0c9c-4d06-bae2-795983241227" providerId="AD" clId="Web-{0AC6A3A1-0788-C69A-5EFD-279F3FA2CF0F}"/>
+    <pc:docChg chg="modSld">
+      <pc:chgData name="Akilah Johnson" userId="S::akjohnso@adobe.com::2fa3aa60-0c9c-4d06-bae2-795983241227" providerId="AD" clId="Web-{0AC6A3A1-0788-C69A-5EFD-279F3FA2CF0F}" dt="2021-09-22T18:56:17.553" v="29"/>
+      <pc:docMkLst>
+        <pc:docMk/>
+      </pc:docMkLst>
+      <pc:sldChg chg="modSp delCm">
+        <pc:chgData name="Akilah Johnson" userId="S::akjohnso@adobe.com::2fa3aa60-0c9c-4d06-bae2-795983241227" providerId="AD" clId="Web-{0AC6A3A1-0788-C69A-5EFD-279F3FA2CF0F}" dt="2021-09-22T18:56:17.553" v="29"/>
+        <pc:sldMkLst>
+          <pc:docMk/>
+          <pc:sldMk cId="1050037809" sldId="261"/>
+        </pc:sldMkLst>
+        <pc:spChg chg="mod">
+          <ac:chgData name="Akilah Johnson" userId="S::akjohnso@adobe.com::2fa3aa60-0c9c-4d06-bae2-795983241227" providerId="AD" clId="Web-{0AC6A3A1-0788-C69A-5EFD-279F3FA2CF0F}" dt="2021-09-22T18:55:46.585" v="16" actId="20577"/>
+          <ac:spMkLst>
+            <pc:docMk/>
+            <pc:sldMk cId="1050037809" sldId="261"/>
+            <ac:spMk id="64" creationId="{41467BDC-3D83-D844-B922-CD07E94E5AAB}"/>
+          </ac:spMkLst>
+        </pc:spChg>
+        <pc:graphicFrameChg chg="mod modGraphic">
+          <ac:chgData name="Akilah Johnson" userId="S::akjohnso@adobe.com::2fa3aa60-0c9c-4d06-bae2-795983241227" providerId="AD" clId="Web-{0AC6A3A1-0788-C69A-5EFD-279F3FA2CF0F}" dt="2021-09-22T18:55:59.928" v="28"/>
+          <ac:graphicFrameMkLst>
+            <pc:docMk/>
+            <pc:sldMk cId="1050037809" sldId="261"/>
+            <ac:graphicFrameMk id="25" creationId="{3A91F5B0-3974-A14D-A146-FB590F2AAD18}"/>
+          </ac:graphicFrameMkLst>
+        </pc:graphicFrameChg>
+      </pc:sldChg>
+    </pc:docChg>
+  </pc:docChgLst>
+</pc:chgInfo>
 </file>
 
 <file path=ppt/comments/comment1.xml><?xml version="1.0" encoding="utf-8"?>
@@ -245,7 +773,7 @@
           <a:p>
             <a:fld id="{CCB2A597-803A-C244-97E2-A01066125D19}" type="datetimeFigureOut">
               <a:rPr lang="en-US" smtClean="0"/>
-              <a:t>12/9/2021</a:t>
+              <a:t>1/20/22</a:t>
             </a:fld>
             <a:endParaRPr lang="en-US"/>
           </a:p>
@@ -1026,7 +1554,7 @@
           <a:p>
             <a:fld id="{1D8BD707-D9CF-40AE-B4C6-C98DA3205C09}" type="datetimeFigureOut">
               <a:rPr lang="en-US"/>
-              <a:t>12/9/2021</a:t>
+              <a:t>1/20/22</a:t>
             </a:fld>
             <a:endParaRPr lang="en-US"/>
           </a:p>
@@ -1266,7 +1794,7 @@
           <a:p>
             <a:fld id="{1D8BD707-D9CF-40AE-B4C6-C98DA3205C09}" type="datetimeFigureOut">
               <a:rPr lang="en-US"/>
-              <a:t>12/9/2021</a:t>
+              <a:t>1/20/22</a:t>
             </a:fld>
             <a:endParaRPr lang="en-US"/>
           </a:p>
@@ -1519,7 +2047,7 @@
           <a:p>
             <a:fld id="{1D8BD707-D9CF-40AE-B4C6-C98DA3205C09}" type="datetimeFigureOut">
               <a:rPr lang="en-US"/>
-              <a:t>12/9/2021</a:t>
+              <a:t>1/20/22</a:t>
             </a:fld>
             <a:endParaRPr lang="en-US"/>
           </a:p>
@@ -1706,7 +2234,7 @@
           <a:p>
             <a:fld id="{1D8BD707-D9CF-40AE-B4C6-C98DA3205C09}" type="datetimeFigureOut">
               <a:rPr lang="en-US"/>
-              <a:t>12/9/2021</a:t>
+              <a:t>1/20/22</a:t>
             </a:fld>
             <a:endParaRPr lang="en-US"/>
           </a:p>
@@ -1864,7 +2392,7 @@
           <a:p>
             <a:fld id="{1D8BD707-D9CF-40AE-B4C6-C98DA3205C09}" type="datetimeFigureOut">
               <a:rPr lang="en-US"/>
-              <a:t>12/9/2021</a:t>
+              <a:t>1/20/22</a:t>
             </a:fld>
             <a:endParaRPr lang="en-US"/>
           </a:p>
@@ -2122,7 +2650,7 @@
           <a:p>
             <a:fld id="{1D8BD707-D9CF-40AE-B4C6-C98DA3205C09}" type="datetimeFigureOut">
               <a:rPr lang="en-US"/>
-              <a:t>12/9/2021</a:t>
+              <a:t>1/20/22</a:t>
             </a:fld>
             <a:endParaRPr lang="en-US"/>
           </a:p>
@@ -2926,14 +3454,14 @@
           <p:nvPr>
             <p:extLst>
               <p:ext uri="{D42A27DB-BD31-4B8C-83A1-F6EECF244321}">
-                <p14:modId xmlns:p14="http://schemas.microsoft.com/office/powerpoint/2010/main" val="3537242808"/>
+                <p14:modId xmlns:p14="http://schemas.microsoft.com/office/powerpoint/2010/main" val="3301165224"/>
               </p:ext>
             </p:extLst>
           </p:nvPr>
         </p:nvGraphicFramePr>
         <p:xfrm>
           <a:off x="146919" y="7473158"/>
-          <a:ext cx="7477080" cy="2256833"/>
+          <a:ext cx="7477080" cy="2172629"/>
         </p:xfrm>
         <a:graphic>
           <a:graphicData uri="http://schemas.openxmlformats.org/drawingml/2006/table">
@@ -3038,14 +3566,14 @@
                         </a:spcBef>
                       </a:pPr>
                       <a:r>
-                        <a:rPr sz="900" spc="0" dirty="0">
+                        <a:rPr lang="en-US" sz="900" spc="0" dirty="0">
                           <a:solidFill>
                             <a:srgbClr val="020302"/>
                           </a:solidFill>
                           <a:latin typeface="Adobe Clean"/>
                           <a:cs typeface="Adobe Clean"/>
                         </a:rPr>
-                        <a:t>Online Support</a:t>
+                        <a:t>Standard Support</a:t>
                       </a:r>
                       <a:endParaRPr sz="900" spc="0" dirty="0">
                         <a:latin typeface="Adobe Clean"/>
@@ -3623,19 +4151,7 @@
                           <a:ea typeface="+mn-ea"/>
                           <a:cs typeface="+mn-cs"/>
                         </a:rPr>
-                        <a:t>Customer’s business functions have major service degradations or potential data loss, or a major feature </a:t>
-                      </a:r>
-                      <a:r>
-                        <a:rPr lang="en-US" sz="900" b="0" i="0" u="none" strike="noStrike">
-                          <a:solidFill>
-                            <a:schemeClr val="tx1"/>
-                          </a:solidFill>
-                          <a:effectLst/>
-                          <a:latin typeface="Adobe Clean Light"/>
-                          <a:ea typeface="+mn-ea"/>
-                          <a:cs typeface="+mn-cs"/>
-                        </a:rPr>
-                        <a:t>is impacted.</a:t>
+                        <a:t>Customer’s business functions have major service degradations or potential data loss, or a major feature is impacted.</a:t>
                       </a:r>
                       <a:endParaRPr lang="en-US" sz="900" b="0" i="0" dirty="0">
                         <a:latin typeface="Adobe Clean Light"/>
@@ -3921,31 +4437,7 @@
                           <a:ea typeface="+mn-ea"/>
                           <a:cs typeface="+mn-cs"/>
                         </a:rPr>
-                        <a:t>Customer's business </a:t>
-                      </a:r>
-                      <a:r>
-                        <a:rPr lang="en-US" sz="900" b="0" i="0" u="none" strike="noStrike">
-                          <a:solidFill>
-                            <a:schemeClr val="tx1"/>
-                          </a:solidFill>
-                          <a:effectLst/>
-                          <a:latin typeface="Adobe Clean Light"/>
-                          <a:ea typeface="+mn-ea"/>
-                          <a:cs typeface="+mn-cs"/>
-                        </a:rPr>
-                        <a:t>functions have </a:t>
-                      </a:r>
-                      <a:r>
-                        <a:rPr lang="en-US" sz="900" b="0" i="0" u="none" strike="noStrike" dirty="0">
-                          <a:solidFill>
-                            <a:schemeClr val="tx1"/>
-                          </a:solidFill>
-                          <a:effectLst/>
-                          <a:latin typeface="Adobe Clean Light"/>
-                          <a:ea typeface="+mn-ea"/>
-                          <a:cs typeface="+mn-cs"/>
-                        </a:rPr>
-                        <a:t>minor to no degradation of services with a solution/workaround allowing business functions to continue </a:t>
+                        <a:t>Customer's business functions have minor to no degradation of services with a solution/workaround allowing business functions to continue </a:t>
                       </a:r>
                       <a:endParaRPr lang="en-US" sz="900" b="0" i="0" dirty="0">
                         <a:latin typeface="Adobe Clean Light"/>
@@ -4548,7 +5040,7 @@
           </a:prstGeom>
         </p:spPr>
         <p:txBody>
-          <a:bodyPr vert="horz" wrap="square" lIns="0" tIns="24130" rIns="0" bIns="0" rtlCol="0">
+          <a:bodyPr vert="horz" wrap="square" lIns="0" tIns="24130" rIns="0" bIns="0" rtlCol="0" anchor="t">
             <a:spAutoFit/>
           </a:bodyPr>
           <a:lstStyle/>
@@ -4566,16 +5058,16 @@
                 <a:solidFill>
                   <a:schemeClr val="bg1"/>
                 </a:solidFill>
-                <a:latin typeface="Adobe Clean Light" panose="020B0303020404020204" pitchFamily="34" charset="0"/>
-              </a:rPr>
-              <a:t>Online | Business |</a:t>
+                <a:latin typeface="Adobe Clean Light"/>
+              </a:rPr>
+              <a:t>Standard |</a:t>
             </a:r>
             <a:r>
               <a:rPr lang="en-US" sz="1200" b="1" dirty="0">
                 <a:solidFill>
                   <a:schemeClr val="bg1"/>
                 </a:solidFill>
-                <a:latin typeface="Adobe Clean Light" panose="020B0303020404020204" pitchFamily="34" charset="0"/>
+                <a:latin typeface="Adobe Clean Light"/>
               </a:rPr>
               <a:t> </a:t>
             </a:r>
@@ -4592,7 +5084,7 @@
                 <a:solidFill>
                   <a:schemeClr val="bg1"/>
                 </a:solidFill>
-                <a:latin typeface="Adobe Clean Light" panose="020B0303020404020204" pitchFamily="34" charset="0"/>
+                <a:latin typeface="Adobe Clean Light"/>
               </a:rPr>
               <a:t> </a:t>
             </a:r>
@@ -4601,24 +5093,21 @@
                 <a:solidFill>
                   <a:schemeClr val="bg1"/>
                 </a:solidFill>
-                <a:latin typeface="Adobe Clean Light" panose="020B0303020404020204" pitchFamily="34" charset="0"/>
+                <a:latin typeface="Adobe Clean Light"/>
               </a:rPr>
               <a:t>| Elite</a:t>
             </a:r>
             <a:br>
               <a:rPr lang="en-US" sz="900" dirty="0">
+                <a:latin typeface="Adobe Clean Light" panose="020B0303020404020204" pitchFamily="34" charset="0"/>
+              </a:rPr>
+            </a:br>
+            <a:r>
+              <a:rPr lang="en-US" sz="900" dirty="0">
                 <a:solidFill>
                   <a:schemeClr val="bg1"/>
                 </a:solidFill>
-                <a:latin typeface="Adobe Clean Light" panose="020B0303020404020204" pitchFamily="34" charset="0"/>
-              </a:rPr>
-            </a:br>
-            <a:r>
-              <a:rPr lang="en-US" sz="900" dirty="0">
-                <a:solidFill>
-                  <a:schemeClr val="bg1"/>
-                </a:solidFill>
-                <a:latin typeface="Adobe Clean SemiLight" panose="020B0403020404020204" pitchFamily="34" charset="0"/>
+                <a:latin typeface="Adobe Clean SemiLight"/>
               </a:rPr>
               <a:t>ENTERPRISE support includes access to personalized learning paths and monitored community forums via the Adobe Experience League. You can also take advantage of our detailed and in-depth technical product documentation and current release notes. ENTERPRISE customers will also be provided with a Named Support Engineer who acts as your designated technical contact in the Adobe Support Team. With deep experience in your designated Experience Cloud solution, your support team will work in partnership with you and your technical teams to ensure timely resolution of all support requests. Your support team can also help coordinate and arrange delivery of the additional ENTERPRISE benefits ensuring minimal disruption to your business at the most critical time. </a:t>
             </a:r>
@@ -4626,7 +5115,7 @@
               <a:solidFill>
                 <a:schemeClr val="bg1"/>
               </a:solidFill>
-              <a:latin typeface="Adobe Clean Light" panose="020B0303020404020204" pitchFamily="34" charset="0"/>
+              <a:latin typeface="Adobe Clean SemiLight"/>
               <a:cs typeface="AdobeClean-Light"/>
             </a:endParaRPr>
           </a:p>
@@ -4647,7 +5136,7 @@
           <p:nvPr>
             <p:extLst>
               <p:ext uri="{D42A27DB-BD31-4B8C-83A1-F6EECF244321}">
-                <p14:modId xmlns:p14="http://schemas.microsoft.com/office/powerpoint/2010/main" val="2813555721"/>
+                <p14:modId xmlns:p14="http://schemas.microsoft.com/office/powerpoint/2010/main" val="1697181755"/>
               </p:ext>
             </p:extLst>
           </p:nvPr>
@@ -4736,16 +5225,16 @@
                         <a:defRPr/>
                       </a:pPr>
                       <a:r>
-                        <a:rPr lang="en-US" sz="900" spc="0">
+                        <a:rPr lang="en-US" sz="900" spc="0" dirty="0">
                           <a:solidFill>
                             <a:srgbClr val="404040"/>
                           </a:solidFill>
                           <a:latin typeface="Adobe Clean"/>
                           <a:cs typeface="Adobe Clean"/>
                         </a:rPr>
-                        <a:t>Online  Support</a:t>
+                        <a:t>Standard Support</a:t>
                       </a:r>
-                      <a:endParaRPr lang="en-US" sz="900" spc="0">
+                      <a:endParaRPr lang="en-US" sz="900" spc="0" dirty="0">
                         <a:latin typeface="Adobe Clean"/>
                         <a:cs typeface="Adobe Clean"/>
                       </a:endParaRPr>
@@ -4789,7 +5278,7 @@
                         </a:spcBef>
                       </a:pPr>
                       <a:r>
-                        <a:rPr lang="en-US" sz="900" spc="0">
+                        <a:rPr lang="en-US" sz="900" spc="0" dirty="0">
                           <a:solidFill>
                             <a:srgbClr val="FFFFFF"/>
                           </a:solidFill>
@@ -4799,7 +5288,7 @@
                         <a:t>Enterprise </a:t>
                       </a:r>
                       <a:r>
-                        <a:rPr sz="900" spc="0">
+                        <a:rPr sz="900" spc="0" dirty="0">
                           <a:solidFill>
                             <a:srgbClr val="FFFFFF"/>
                           </a:solidFill>
@@ -4808,7 +5297,7 @@
                         </a:rPr>
                         <a:t>Support</a:t>
                       </a:r>
-                      <a:endParaRPr sz="900" spc="0">
+                      <a:endParaRPr sz="900" spc="0" dirty="0">
                         <a:latin typeface="Adobe Clean"/>
                         <a:cs typeface="Adobe Clean"/>
                       </a:endParaRPr>
@@ -4960,11 +5449,11 @@
                         <a:defRPr/>
                       </a:pPr>
                       <a:r>
-                        <a:rPr lang="en-US" sz="800" i="1">
+                        <a:rPr lang="en-US" sz="800" i="1" dirty="0">
                           <a:solidFill>
                             <a:schemeClr val="bg1"/>
                           </a:solidFill>
-                          <a:latin typeface="Adobe Clean Light" panose="020B0303020404020204" pitchFamily="34" charset="0"/>
+                          <a:latin typeface="Adobe Clean Light"/>
                         </a:rPr>
                         <a:t>Paid Support ($)</a:t>
                       </a:r>
@@ -5030,20 +5519,20 @@
                         </a:spcBef>
                       </a:pPr>
                       <a:r>
-                        <a:rPr lang="en-US" sz="1000" b="1" i="0" spc="0">
+                        <a:rPr lang="en-US" sz="1000" b="1" i="0" spc="0" dirty="0">
                           <a:solidFill>
                             <a:schemeClr val="bg1"/>
                           </a:solidFill>
-                          <a:latin typeface="Adobe Clean" panose="020B0503020404020204" pitchFamily="34" charset="0"/>
+                          <a:latin typeface="Adobe Clean"/>
                           <a:cs typeface="AdobeClean-Light"/>
                         </a:rPr>
                         <a:t>Assigned Experts</a:t>
                       </a:r>
-                      <a:endParaRPr sz="1000" b="1" i="0" spc="0">
+                      <a:endParaRPr sz="1000" b="1" i="0" spc="0" dirty="0">
                         <a:solidFill>
                           <a:schemeClr val="bg1"/>
                         </a:solidFill>
-                        <a:latin typeface="Adobe Clean" panose="020B0503020404020204" pitchFamily="34" charset="0"/>
+                        <a:latin typeface="Adobe Clean"/>
                         <a:cs typeface="AdobeClean-Light"/>
                       </a:endParaRPr>
                     </a:p>
@@ -5092,7 +5581,7 @@
                         </a:spcBef>
                       </a:pPr>
                       <a:r>
-                        <a:rPr sz="900" spc="0">
+                        <a:rPr sz="900" spc="0" dirty="0">
                           <a:solidFill>
                             <a:srgbClr val="020302"/>
                           </a:solidFill>
@@ -5101,7 +5590,7 @@
                         </a:rPr>
                         <a:t>Account Support Lead</a:t>
                       </a:r>
-                      <a:endParaRPr sz="900" spc="0">
+                      <a:endParaRPr sz="900" spc="0" dirty="0">
                         <a:latin typeface="AdobeClean-Light"/>
                         <a:cs typeface="AdobeClean-Light"/>
                       </a:endParaRPr>
@@ -5269,7 +5758,7 @@
                         </a:spcBef>
                       </a:pPr>
                       <a:r>
-                        <a:rPr sz="900" spc="0">
+                        <a:rPr sz="900" spc="0" dirty="0">
                           <a:solidFill>
                             <a:srgbClr val="020302"/>
                           </a:solidFill>
@@ -5278,7 +5767,7 @@
                         </a:rPr>
                         <a:t>Named Support Engineer</a:t>
                       </a:r>
-                      <a:endParaRPr sz="900" spc="0">
+                      <a:endParaRPr sz="900" spc="0" dirty="0">
                         <a:latin typeface="AdobeClean-Light"/>
                         <a:cs typeface="AdobeClean-Light"/>
                       </a:endParaRPr>
@@ -5351,7 +5840,7 @@
                         <a:defRPr/>
                       </a:pPr>
                       <a:r>
-                        <a:rPr lang="en-US" sz="900">
+                        <a:rPr lang="en-US" sz="900" dirty="0">
                           <a:solidFill>
                             <a:srgbClr val="020302"/>
                           </a:solidFill>
@@ -5360,7 +5849,7 @@
                         </a:rPr>
                         <a:t></a:t>
                       </a:r>
-                      <a:endParaRPr lang="en-US" sz="900">
+                      <a:endParaRPr lang="en-US" sz="900" dirty="0">
                         <a:latin typeface="Wingdings"/>
                         <a:cs typeface="Wingdings"/>
                       </a:endParaRPr>
@@ -5444,7 +5933,7 @@
                         </a:spcBef>
                       </a:pPr>
                       <a:r>
-                        <a:rPr sz="900" spc="0">
+                        <a:rPr sz="900" spc="0" dirty="0">
                           <a:solidFill>
                             <a:srgbClr val="020302"/>
                           </a:solidFill>
@@ -5453,7 +5942,7 @@
                         </a:rPr>
                         <a:t>Technical Account Manager</a:t>
                       </a:r>
-                      <a:endParaRPr sz="900" spc="0">
+                      <a:endParaRPr sz="900" spc="0" dirty="0">
                         <a:latin typeface="AdobeClean-Light"/>
                         <a:cs typeface="AdobeClean-Light"/>
                       </a:endParaRPr>
@@ -5574,20 +6063,20 @@
                         </a:spcBef>
                       </a:pPr>
                       <a:r>
-                        <a:rPr lang="en-US" sz="1000" b="1" i="0" spc="0">
+                        <a:rPr lang="en-US" sz="1000" b="1" i="0" spc="0" dirty="0">
                           <a:solidFill>
                             <a:schemeClr val="bg1"/>
                           </a:solidFill>
-                          <a:latin typeface="Adobe Clean" panose="020B0503020404020204" pitchFamily="34" charset="0"/>
+                          <a:latin typeface="Adobe Clean"/>
                           <a:cs typeface="AdobeClean-Light"/>
                         </a:rPr>
                         <a:t>Support Services</a:t>
                       </a:r>
-                      <a:endParaRPr sz="1000" b="1" i="0" spc="0">
+                      <a:endParaRPr sz="1000" b="1" i="0" spc="0" dirty="0">
                         <a:solidFill>
                           <a:schemeClr val="bg1"/>
                         </a:solidFill>
-                        <a:latin typeface="Adobe Clean" panose="020B0503020404020204" pitchFamily="34" charset="0"/>
+                        <a:latin typeface="Adobe Clean"/>
                         <a:cs typeface="AdobeClean-Light"/>
                       </a:endParaRPr>
                     </a:p>
@@ -5645,7 +6134,7 @@
                         </a:spcBef>
                       </a:pPr>
                       <a:r>
-                        <a:rPr lang="en-US" sz="900" spc="0">
+                        <a:rPr lang="en-US" sz="900" spc="0" dirty="0">
                           <a:solidFill>
                             <a:srgbClr val="020302"/>
                           </a:solidFill>
@@ -5655,7 +6144,7 @@
                         <a:t>Online</a:t>
                       </a:r>
                       <a:r>
-                        <a:rPr sz="900" spc="0">
+                        <a:rPr sz="900" spc="0" dirty="0">
                           <a:solidFill>
                             <a:srgbClr val="020302"/>
                           </a:solidFill>
@@ -5664,7 +6153,7 @@
                         </a:rPr>
                         <a:t> Support</a:t>
                       </a:r>
-                      <a:endParaRPr sz="900" spc="0">
+                      <a:endParaRPr sz="900" spc="0" dirty="0">
                         <a:latin typeface="AdobeClean-Light"/>
                         <a:cs typeface="AdobeClean-Light"/>
                       </a:endParaRPr>
@@ -5705,7 +6194,7 @@
                         </a:spcBef>
                       </a:pPr>
                       <a:r>
-                        <a:rPr sz="900" spc="-25">
+                        <a:rPr sz="900" spc="-25" dirty="0">
                           <a:solidFill>
                             <a:srgbClr val="020302"/>
                           </a:solidFill>
@@ -5715,7 +6204,7 @@
                         <a:t>Business</a:t>
                       </a:r>
                       <a:r>
-                        <a:rPr sz="900" spc="-15">
+                        <a:rPr sz="900" spc="-15" dirty="0">
                           <a:solidFill>
                             <a:srgbClr val="020302"/>
                           </a:solidFill>
@@ -5725,7 +6214,7 @@
                         <a:t> </a:t>
                       </a:r>
                       <a:r>
-                        <a:rPr sz="900" spc="-30">
+                        <a:rPr sz="900" spc="-30" dirty="0">
                           <a:solidFill>
                             <a:srgbClr val="020302"/>
                           </a:solidFill>
@@ -5734,7 +6223,7 @@
                         </a:rPr>
                         <a:t>hours</a:t>
                       </a:r>
-                      <a:endParaRPr sz="900">
+                      <a:endParaRPr sz="900" dirty="0">
                         <a:latin typeface="AdobeClean-Light"/>
                         <a:cs typeface="AdobeClean-Light"/>
                       </a:endParaRPr>
@@ -5776,7 +6265,7 @@
                         </a:spcBef>
                       </a:pPr>
                       <a:r>
-                        <a:rPr lang="en-US" sz="900" spc="-25">
+                        <a:rPr lang="en-US" sz="900" spc="-25" dirty="0">
                           <a:solidFill>
                             <a:srgbClr val="020302"/>
                           </a:solidFill>
@@ -5785,7 +6274,7 @@
                         </a:rPr>
                         <a:t>24x5</a:t>
                       </a:r>
-                      <a:endParaRPr sz="900">
+                      <a:endParaRPr sz="900" dirty="0">
                         <a:latin typeface="AdobeClean-Light"/>
                         <a:cs typeface="AdobeClean-Light"/>
                       </a:endParaRPr>
@@ -5871,7 +6360,7 @@
                         </a:spcBef>
                       </a:pPr>
                       <a:r>
-                        <a:rPr sz="900" spc="0">
+                        <a:rPr sz="900" spc="0" dirty="0">
                           <a:solidFill>
                             <a:srgbClr val="020302"/>
                           </a:solidFill>
@@ -5881,7 +6370,7 @@
                         <a:t>24x7</a:t>
                       </a:r>
                       <a:r>
-                        <a:rPr lang="en-US" sz="900" spc="0">
+                        <a:rPr lang="en-US" sz="900" spc="0" dirty="0">
                           <a:solidFill>
                             <a:srgbClr val="020302"/>
                           </a:solidFill>
@@ -5891,7 +6380,7 @@
                         <a:t>x365</a:t>
                       </a:r>
                       <a:r>
-                        <a:rPr sz="900" spc="0">
+                        <a:rPr sz="900" spc="0" dirty="0">
                           <a:solidFill>
                             <a:srgbClr val="020302"/>
                           </a:solidFill>
@@ -5900,7 +6389,7 @@
                         </a:rPr>
                         <a:t> P1 Issue Support</a:t>
                       </a:r>
-                      <a:endParaRPr sz="900" spc="0">
+                      <a:endParaRPr sz="900" spc="0" dirty="0">
                         <a:latin typeface="AdobeClean-Light"/>
                         <a:cs typeface="AdobeClean-Light"/>
                       </a:endParaRPr>
@@ -5935,7 +6424,7 @@
                         </a:spcBef>
                       </a:pPr>
                       <a:r>
-                        <a:rPr sz="900">
+                        <a:rPr sz="900" dirty="0">
                           <a:solidFill>
                             <a:srgbClr val="020302"/>
                           </a:solidFill>
@@ -5944,7 +6433,7 @@
                         </a:rPr>
                         <a:t></a:t>
                       </a:r>
-                      <a:endParaRPr sz="900">
+                      <a:endParaRPr sz="900" dirty="0">
                         <a:latin typeface="Wingdings"/>
                         <a:cs typeface="Wingdings"/>
                       </a:endParaRPr>
@@ -5977,7 +6466,7 @@
                         </a:spcBef>
                       </a:pPr>
                       <a:r>
-                        <a:rPr sz="900">
+                        <a:rPr sz="900" dirty="0">
                           <a:solidFill>
                             <a:srgbClr val="020302"/>
                           </a:solidFill>
@@ -5986,7 +6475,7 @@
                         </a:rPr>
                         <a:t></a:t>
                       </a:r>
-                      <a:endParaRPr sz="900">
+                      <a:endParaRPr sz="900" dirty="0">
                         <a:latin typeface="Wingdings"/>
                         <a:cs typeface="Wingdings"/>
                       </a:endParaRPr>
@@ -6070,7 +6559,7 @@
                         </a:spcBef>
                       </a:pPr>
                       <a:r>
-                        <a:rPr lang="en-US" sz="900" spc="0">
+                        <a:rPr lang="en-US" sz="900" spc="0" dirty="0">
                           <a:solidFill>
                             <a:srgbClr val="020302"/>
                           </a:solidFill>
@@ -6079,7 +6568,7 @@
                         </a:rPr>
                         <a:t>Named Support Contacts (per product)</a:t>
                       </a:r>
-                      <a:endParaRPr sz="900" spc="0">
+                      <a:endParaRPr sz="900" spc="0" dirty="0">
                         <a:latin typeface="AdobeClean-Light"/>
                         <a:cs typeface="AdobeClean-Light"/>
                       </a:endParaRPr>
@@ -6120,7 +6609,7 @@
                         </a:spcBef>
                       </a:pPr>
                       <a:r>
-                        <a:rPr sz="900">
+                        <a:rPr sz="900" dirty="0">
                           <a:solidFill>
                             <a:srgbClr val="020302"/>
                           </a:solidFill>
@@ -6129,7 +6618,7 @@
                         </a:rPr>
                         <a:t>4</a:t>
                       </a:r>
-                      <a:endParaRPr sz="900">
+                      <a:endParaRPr sz="900" dirty="0">
                         <a:latin typeface="AdobeClean-Light"/>
                         <a:cs typeface="AdobeClean-Light"/>
                       </a:endParaRPr>
@@ -6162,7 +6651,7 @@
                         </a:spcBef>
                       </a:pPr>
                       <a:r>
-                        <a:rPr lang="en-US" sz="900">
+                        <a:rPr lang="en-US" sz="900" dirty="0">
                           <a:solidFill>
                             <a:srgbClr val="020302"/>
                           </a:solidFill>
@@ -6171,7 +6660,7 @@
                         </a:rPr>
                         <a:t>10</a:t>
                       </a:r>
-                      <a:endParaRPr sz="900">
+                      <a:endParaRPr sz="900" dirty="0">
                         <a:latin typeface="AdobeClean-Light"/>
                         <a:cs typeface="AdobeClean-Light"/>
                       </a:endParaRPr>
@@ -6246,7 +6735,7 @@
                         </a:spcBef>
                       </a:pPr>
                       <a:r>
-                        <a:rPr lang="en-US" sz="900" spc="0">
+                        <a:rPr lang="en-US" sz="900" spc="0" dirty="0">
                           <a:solidFill>
                             <a:srgbClr val="020302"/>
                           </a:solidFill>
@@ -6255,7 +6744,7 @@
                         </a:rPr>
                         <a:t>Live Telephone Support</a:t>
                       </a:r>
-                      <a:endParaRPr sz="900" spc="0">
+                      <a:endParaRPr sz="900" spc="0" dirty="0">
                         <a:latin typeface="AdobeClean-Light"/>
                         <a:cs typeface="AdobeClean-Light"/>
                       </a:endParaRPr>
@@ -6322,7 +6811,7 @@
                         </a:spcBef>
                       </a:pPr>
                       <a:r>
-                        <a:rPr sz="900">
+                        <a:rPr sz="900" dirty="0">
                           <a:solidFill>
                             <a:srgbClr val="020302"/>
                           </a:solidFill>
@@ -6331,7 +6820,7 @@
                         </a:rPr>
                         <a:t></a:t>
                       </a:r>
-                      <a:endParaRPr sz="900">
+                      <a:endParaRPr sz="900" dirty="0">
                         <a:latin typeface="Wingdings"/>
                         <a:cs typeface="Wingdings"/>
                       </a:endParaRPr>
@@ -6406,7 +6895,7 @@
                         </a:spcBef>
                       </a:pPr>
                       <a:r>
-                        <a:rPr sz="900" spc="0">
+                        <a:rPr sz="900" spc="0" dirty="0">
                           <a:solidFill>
                             <a:srgbClr val="020302"/>
                           </a:solidFill>
@@ -6415,7 +6904,7 @@
                         </a:rPr>
                         <a:t>Escalation Management</a:t>
                       </a:r>
-                      <a:endParaRPr sz="900" spc="0">
+                      <a:endParaRPr sz="900" spc="0" dirty="0">
                         <a:latin typeface="AdobeClean-Light"/>
                         <a:cs typeface="AdobeClean-Light"/>
                       </a:endParaRPr>
@@ -6482,7 +6971,7 @@
                         </a:spcBef>
                       </a:pPr>
                       <a:r>
-                        <a:rPr sz="900">
+                        <a:rPr sz="900" dirty="0">
                           <a:solidFill>
                             <a:srgbClr val="020302"/>
                           </a:solidFill>
@@ -6491,7 +6980,7 @@
                         </a:rPr>
                         <a:t></a:t>
                       </a:r>
-                      <a:endParaRPr sz="900">
+                      <a:endParaRPr sz="900" dirty="0">
                         <a:latin typeface="Wingdings"/>
                         <a:cs typeface="Wingdings"/>
                       </a:endParaRPr>
@@ -6566,7 +7055,7 @@
                         </a:spcBef>
                       </a:pPr>
                       <a:r>
-                        <a:rPr sz="900" spc="0">
+                        <a:rPr sz="900" spc="0" dirty="0">
                           <a:solidFill>
                             <a:srgbClr val="020302"/>
                           </a:solidFill>
@@ -6576,7 +7065,7 @@
                         <a:t>Service Reviews </a:t>
                       </a:r>
                       <a:r>
-                        <a:rPr lang="en-US" sz="900" spc="0">
+                        <a:rPr lang="en-US" sz="900" spc="0" dirty="0">
                           <a:solidFill>
                             <a:srgbClr val="020302"/>
                           </a:solidFill>
@@ -6585,7 +7074,7 @@
                         </a:rPr>
                         <a:t>per Year</a:t>
                       </a:r>
-                      <a:endParaRPr sz="900" spc="0">
+                      <a:endParaRPr sz="900" spc="0" dirty="0">
                         <a:latin typeface="AdobeClean-Light"/>
                         <a:cs typeface="AdobeClean-Light"/>
                       </a:endParaRPr>
@@ -6646,13 +7135,13 @@
                         </a:lnSpc>
                       </a:pPr>
                       <a:r>
-                        <a:rPr lang="en-US" sz="900">
+                        <a:rPr lang="en-US" sz="900" dirty="0">
                           <a:latin typeface="Times New Roman"/>
                           <a:cs typeface="Times New Roman"/>
                         </a:rPr>
                         <a:t>2</a:t>
                       </a:r>
-                      <a:endParaRPr sz="900">
+                      <a:endParaRPr sz="900" dirty="0">
                         <a:latin typeface="Times New Roman"/>
                         <a:cs typeface="Times New Roman"/>
                       </a:endParaRPr>
@@ -6697,13 +7186,13 @@
                         </a:spcBef>
                       </a:pPr>
                       <a:r>
-                        <a:rPr lang="en-US" sz="900" spc="0">
+                        <a:rPr lang="en-US" sz="900" spc="0" dirty="0">
                           <a:latin typeface="AdobeClean-Light"/>
                           <a:cs typeface="AdobeClean-Light"/>
                         </a:rPr>
                         <a:t>Expert Sessions per Year</a:t>
                       </a:r>
-                      <a:endParaRPr sz="900" spc="0">
+                      <a:endParaRPr sz="900" spc="0" dirty="0">
                         <a:latin typeface="AdobeClean-Light"/>
                         <a:cs typeface="AdobeClean-Light"/>
                       </a:endParaRPr>
@@ -6770,13 +7259,13 @@
                         </a:lnSpc>
                       </a:pPr>
                       <a:r>
-                        <a:rPr lang="en-US" sz="900">
+                        <a:rPr lang="en-US" sz="900" dirty="0">
                           <a:latin typeface="Times New Roman"/>
                           <a:cs typeface="Times New Roman"/>
                         </a:rPr>
                         <a:t>2</a:t>
                       </a:r>
-                      <a:endParaRPr sz="900">
+                      <a:endParaRPr sz="900" dirty="0">
                         <a:latin typeface="Times New Roman"/>
                         <a:cs typeface="Times New Roman"/>
                       </a:endParaRPr>
@@ -6821,13 +7310,13 @@
                         </a:spcBef>
                       </a:pPr>
                       <a:r>
-                        <a:rPr lang="en-US" sz="900" spc="0">
+                        <a:rPr lang="en-US" sz="900" spc="0" dirty="0">
                           <a:latin typeface="AdobeClean-Light"/>
                           <a:cs typeface="AdobeClean-Light"/>
                         </a:rPr>
                         <a:t>Case Reviews</a:t>
                       </a:r>
-                      <a:endParaRPr sz="900" spc="0">
+                      <a:endParaRPr sz="900" spc="0" dirty="0">
                         <a:latin typeface="AdobeClean-Light"/>
                         <a:cs typeface="AdobeClean-Light"/>
                       </a:endParaRPr>
@@ -6906,7 +7395,7 @@
                         <a:defRPr/>
                       </a:pPr>
                       <a:r>
-                        <a:rPr lang="en-US" sz="900">
+                        <a:rPr lang="en-US" sz="900" dirty="0">
                           <a:solidFill>
                             <a:srgbClr val="020302"/>
                           </a:solidFill>
@@ -6915,7 +7404,7 @@
                         </a:rPr>
                         <a:t></a:t>
                       </a:r>
-                      <a:endParaRPr lang="en-US" sz="900">
+                      <a:endParaRPr lang="en-US" sz="900" dirty="0">
                         <a:latin typeface="Wingdings"/>
                         <a:cs typeface="Wingdings"/>
                       </a:endParaRPr>
@@ -6999,7 +7488,7 @@
                         </a:spcBef>
                       </a:pPr>
                       <a:r>
-                        <a:rPr sz="900" spc="0">
+                        <a:rPr sz="900" spc="0" dirty="0">
                           <a:solidFill>
                             <a:srgbClr val="020302"/>
                           </a:solidFill>
@@ -7009,7 +7498,7 @@
                         <a:t>Event </a:t>
                       </a:r>
                       <a:r>
-                        <a:rPr lang="en-US" sz="900" spc="0">
+                        <a:rPr lang="en-US" sz="900" spc="0" dirty="0">
                           <a:solidFill>
                             <a:srgbClr val="020302"/>
                           </a:solidFill>
@@ -7018,7 +7507,7 @@
                         </a:rPr>
                         <a:t>Management</a:t>
                       </a:r>
-                      <a:endParaRPr sz="900" spc="0">
+                      <a:endParaRPr sz="900" spc="0" dirty="0">
                         <a:latin typeface="AdobeClean-Light"/>
                         <a:cs typeface="AdobeClean-Light"/>
                       </a:endParaRPr>
@@ -7159,7 +7648,7 @@
                         </a:spcBef>
                       </a:pPr>
                       <a:r>
-                        <a:rPr sz="900" spc="0">
+                        <a:rPr sz="900" spc="0" dirty="0">
                           <a:solidFill>
                             <a:srgbClr val="020302"/>
                           </a:solidFill>
@@ -7169,7 +7658,7 @@
                         <a:t>Environment</a:t>
                       </a:r>
                       <a:r>
-                        <a:rPr lang="en-US" sz="900" spc="0">
+                        <a:rPr lang="en-US" sz="900" spc="0" dirty="0">
                           <a:solidFill>
                             <a:srgbClr val="020302"/>
                           </a:solidFill>
@@ -7179,7 +7668,7 @@
                         <a:t> </a:t>
                       </a:r>
                       <a:r>
-                        <a:rPr sz="900" spc="0">
+                        <a:rPr sz="900" spc="0" dirty="0">
                           <a:solidFill>
                             <a:srgbClr val="020302"/>
                           </a:solidFill>
@@ -7188,7 +7677,7 @@
                         </a:rPr>
                         <a:t>Review, Maintenance &amp; Monitoring</a:t>
                       </a:r>
-                      <a:endParaRPr sz="900" spc="0">
+                      <a:endParaRPr sz="900" spc="0" dirty="0">
                         <a:latin typeface="AdobeClean-Light"/>
                         <a:cs typeface="AdobeClean-Light"/>
                       </a:endParaRPr>
@@ -7323,7 +7812,7 @@
                         </a:spcBef>
                       </a:pPr>
                       <a:r>
-                        <a:rPr sz="900" spc="0">
+                        <a:rPr sz="900" spc="0" dirty="0">
                           <a:solidFill>
                             <a:srgbClr val="020302"/>
                           </a:solidFill>
@@ -7332,7 +7821,7 @@
                         </a:rPr>
                         <a:t>Release, Migration, Upgrade &amp; Product Roadmap Review</a:t>
                       </a:r>
-                      <a:endParaRPr sz="900" spc="0">
+                      <a:endParaRPr sz="900" spc="0" dirty="0">
                         <a:latin typeface="AdobeClean-Light"/>
                         <a:cs typeface="AdobeClean-Light"/>
                       </a:endParaRPr>
@@ -7476,7 +7965,7 @@
                         </a:spcBef>
                       </a:pPr>
                       <a:r>
-                        <a:rPr sz="900" spc="0">
+                        <a:rPr sz="900" spc="0" dirty="0">
                           <a:latin typeface="AdobeClean-Light"/>
                           <a:cs typeface="AdobeClean-Light"/>
                         </a:rPr>
@@ -7566,7 +8055,7 @@
                         <a:defRPr/>
                       </a:pPr>
                       <a:r>
-                        <a:rPr lang="en-US" sz="900">
+                        <a:rPr lang="en-US" sz="900" dirty="0">
                           <a:solidFill>
                             <a:srgbClr val="020302"/>
                           </a:solidFill>
@@ -7575,7 +8064,7 @@
                         </a:rPr>
                         <a:t></a:t>
                       </a:r>
-                      <a:endParaRPr lang="en-US" sz="900">
+                      <a:endParaRPr lang="en-US" sz="900" dirty="0">
                         <a:latin typeface="Wingdings"/>
                         <a:cs typeface="Wingdings"/>
                       </a:endParaRPr>
@@ -7644,20 +8133,20 @@
                         </a:spcBef>
                       </a:pPr>
                       <a:r>
-                        <a:rPr lang="en-US" sz="1000" b="1" i="0" spc="0">
+                        <a:rPr lang="en-US" sz="1000" b="1" i="0" spc="0" dirty="0">
                           <a:solidFill>
                             <a:schemeClr val="bg1"/>
                           </a:solidFill>
-                          <a:latin typeface="Adobe Clean" panose="020B0503020404020204" pitchFamily="34" charset="0"/>
+                          <a:latin typeface="Adobe Clean"/>
                           <a:cs typeface="AdobeClean-Light"/>
                         </a:rPr>
                         <a:t>Field Services</a:t>
                       </a:r>
-                      <a:endParaRPr sz="1000" b="1" i="0" spc="0">
+                      <a:endParaRPr sz="1000" b="1" i="0" spc="0" dirty="0">
                         <a:solidFill>
                           <a:schemeClr val="bg1"/>
                         </a:solidFill>
-                        <a:latin typeface="Adobe Clean" panose="020B0503020404020204" pitchFamily="34" charset="0"/>
+                        <a:latin typeface="Adobe Clean"/>
                         <a:cs typeface="AdobeClean-Light"/>
                       </a:endParaRPr>
                     </a:p>
@@ -7712,7 +8201,7 @@
                         </a:spcBef>
                       </a:pPr>
                       <a:r>
-                        <a:rPr sz="900" spc="0">
+                        <a:rPr sz="900" spc="0" dirty="0">
                           <a:solidFill>
                             <a:srgbClr val="020302"/>
                           </a:solidFill>
@@ -7815,7 +8304,7 @@
                         <a:defRPr/>
                       </a:pPr>
                       <a:r>
-                        <a:rPr lang="en-US" sz="900">
+                        <a:rPr lang="en-US" sz="900" dirty="0">
                           <a:solidFill>
                             <a:srgbClr val="020302"/>
                           </a:solidFill>
@@ -7824,7 +8313,7 @@
                         </a:rPr>
                         <a:t></a:t>
                       </a:r>
-                      <a:endParaRPr lang="en-US" sz="900">
+                      <a:endParaRPr lang="en-US" sz="900" dirty="0">
                         <a:latin typeface="Wingdings"/>
                         <a:cs typeface="Wingdings"/>
                       </a:endParaRPr>
@@ -7948,7 +8437,7 @@
                         <a:defRPr/>
                       </a:pPr>
                       <a:r>
-                        <a:rPr lang="en-US" sz="900">
+                        <a:rPr lang="en-US" sz="900" dirty="0">
                           <a:solidFill>
                             <a:srgbClr val="020302"/>
                           </a:solidFill>
@@ -7957,7 +8446,7 @@
                         </a:rPr>
                         <a:t></a:t>
                       </a:r>
-                      <a:endParaRPr lang="en-US" sz="900">
+                      <a:endParaRPr lang="en-US" sz="900" dirty="0">
                         <a:latin typeface="Wingdings"/>
                         <a:cs typeface="Wingdings"/>
                       </a:endParaRPr>
@@ -7999,7 +8488,7 @@
                     <a:bodyPr/>
                     <a:lstStyle/>
                     <a:p>
-                      <a:pPr marL="48260" marR="0" lvl="0" indent="0" defTabSz="914400" eaLnBrk="1" fontAlgn="auto" latinLnBrk="0" hangingPunct="0">
+                      <a:pPr marL="48260" marR="0" lvl="0" indent="0" eaLnBrk="1" fontAlgn="auto" latinLnBrk="0" hangingPunct="0">
                         <a:lnSpc>
                           <a:spcPct val="100000"/>
                         </a:lnSpc>
@@ -8013,15 +8502,13 @@
                         <a:buSzTx/>
                         <a:buFontTx/>
                         <a:buNone/>
-                        <a:tabLst/>
-                        <a:defRPr/>
                       </a:pPr>
                       <a:r>
-                        <a:rPr lang="en-US" sz="900" spc="0">
+                        <a:rPr lang="en-US" sz="900" spc="0" dirty="0">
                           <a:latin typeface="AdobeClean-Light"/>
                           <a:cs typeface="AdobeClean-Light"/>
                         </a:rPr>
-                        <a:t>Field Service Activities </a:t>
+                        <a:t>Field Service Activities </a:t>
                       </a:r>
                     </a:p>
                   </a:txBody>
@@ -9003,37 +9490,34 @@
         <p:spPr>
           <a:xfrm>
             <a:off x="214971" y="6124178"/>
-            <a:ext cx="1901483" cy="307777"/>
+            <a:ext cx="2047420" cy="307777"/>
           </a:xfrm>
           <a:prstGeom prst="rect">
             <a:avLst/>
           </a:prstGeom>
         </p:spPr>
         <p:txBody>
-          <a:bodyPr wrap="none" lIns="0">
+          <a:bodyPr wrap="none" lIns="0" tIns="45720" rIns="91440" bIns="45720" anchor="t">
             <a:spAutoFit/>
           </a:bodyPr>
           <a:lstStyle/>
           <a:p>
             <a:pPr>
-              <a:lnSpc>
-                <a:spcPct val="100000"/>
-              </a:lnSpc>
               <a:spcBef>
                 <a:spcPts val="280"/>
               </a:spcBef>
             </a:pPr>
             <a:r>
-              <a:rPr lang="en-US" sz="1400" b="1" spc="-10">
-                <a:solidFill>
-                  <a:srgbClr val="020302"/>
-                </a:solidFill>
-                <a:latin typeface="Adobe Clean"/>
-                <a:cs typeface="Adobe Clean"/>
-              </a:rPr>
-              <a:t>Online Support Features</a:t>
-            </a:r>
-            <a:endParaRPr lang="en-US" sz="1400">
+              <a:rPr lang="en-US" sz="1400" b="1" spc="-10" dirty="0">
+                <a:solidFill>
+                  <a:srgbClr val="020302"/>
+                </a:solidFill>
+                <a:latin typeface="Adobe Clean"/>
+                <a:cs typeface="Adobe Clean"/>
+              </a:rPr>
+              <a:t>Standard Support Features</a:t>
+            </a:r>
+            <a:endParaRPr lang="en-US" sz="1400" dirty="0">
               <a:latin typeface="Adobe Clean"/>
               <a:cs typeface="Adobe Clean"/>
             </a:endParaRPr>
@@ -17229,7 +17713,7 @@
         </p:nvGraphicFramePr>
         <p:xfrm>
           <a:off x="194237" y="1272353"/>
-          <a:ext cx="7368291" cy="3235960"/>
+          <a:ext cx="7368291" cy="2931160"/>
         </p:xfrm>
         <a:graphic>
           <a:graphicData uri="http://schemas.openxmlformats.org/drawingml/2006/table">
@@ -18698,6 +19182,21 @@
 </file>
 
 <file path=customXml/item1.xml><?xml version="1.0" encoding="utf-8"?>
+<p:properties xmlns:p="http://schemas.microsoft.com/office/2006/metadata/properties" xmlns:xsi="http://www.w3.org/2001/XMLSchema-instance" xmlns:pc="http://schemas.microsoft.com/office/infopath/2007/PartnerControls">
+  <documentManagement/>
+</p:properties>
+</file>
+
+<file path=customXml/item2.xml><?xml version="1.0" encoding="utf-8"?>
+<?mso-contentType ?>
+<FormTemplates xmlns="http://schemas.microsoft.com/sharepoint/v3/contenttype/forms">
+  <Display>DocumentLibraryForm</Display>
+  <Edit>DocumentLibraryForm</Edit>
+  <New>DocumentLibraryForm</New>
+</FormTemplates>
+</file>
+
+<file path=customXml/item3.xml><?xml version="1.0" encoding="utf-8"?>
 <ct:contentTypeSchema xmlns:ct="http://schemas.microsoft.com/office/2006/metadata/contentType" xmlns:ma="http://schemas.microsoft.com/office/2006/metadata/properties/metaAttributes" ct:_="" ma:_="" ma:contentTypeName="Document" ma:contentTypeID="0x010100E783BF6876BCC646A459363AF21A7736" ma:contentTypeVersion="10" ma:contentTypeDescription="Create a new document." ma:contentTypeScope="" ma:versionID="c4ffda7f4f415767600769e454c2ea87">
   <xsd:schema xmlns:xsd="http://www.w3.org/2001/XMLSchema" xmlns:xs="http://www.w3.org/2001/XMLSchema" xmlns:p="http://schemas.microsoft.com/office/2006/metadata/properties" xmlns:ns2="8a053bff-88be-49e4-9a87-e748e18b8b62" xmlns:ns3="6c8368ec-3776-49b5-a5bb-90648cf9530f" targetNamespace="http://schemas.microsoft.com/office/2006/metadata/properties" ma:root="true" ma:fieldsID="df3ec33bccc23e23bce7bc897fad43d1" ns2:_="" ns3:_="">
     <xsd:import namespace="8a053bff-88be-49e4-9a87-e748e18b8b62"/>
@@ -18902,22 +19401,32 @@
 </ct:contentTypeSchema>
 </file>
 
-<file path=customXml/item2.xml><?xml version="1.0" encoding="utf-8"?>
-<?mso-contentType ?>
-<FormTemplates xmlns="http://schemas.microsoft.com/sharepoint/v3/contenttype/forms">
-  <Display>DocumentLibraryForm</Display>
-  <Edit>DocumentLibraryForm</Edit>
-  <New>DocumentLibraryForm</New>
-</FormTemplates>
+<file path=customXml/itemProps1.xml><?xml version="1.0" encoding="utf-8"?>
+<ds:datastoreItem xmlns:ds="http://schemas.openxmlformats.org/officeDocument/2006/customXml" ds:itemID="{ED4099BE-EDEC-4FF1-8378-446617236015}">
+  <ds:schemaRefs>
+    <ds:schemaRef ds:uri="http://schemas.microsoft.com/office/2006/metadata/properties"/>
+    <ds:schemaRef ds:uri="http://purl.org/dc/dcmitype/"/>
+    <ds:schemaRef ds:uri="http://www.w3.org/XML/1998/namespace"/>
+    <ds:schemaRef ds:uri="8a053bff-88be-49e4-9a87-e748e18b8b62"/>
+    <ds:schemaRef ds:uri="http://purl.org/dc/terms/"/>
+    <ds:schemaRef ds:uri="http://purl.org/dc/elements/1.1/"/>
+    <ds:schemaRef ds:uri="http://schemas.microsoft.com/office/2006/documentManagement/types"/>
+    <ds:schemaRef ds:uri="http://schemas.microsoft.com/office/infopath/2007/PartnerControls"/>
+    <ds:schemaRef ds:uri="http://schemas.openxmlformats.org/package/2006/metadata/core-properties"/>
+    <ds:schemaRef ds:uri="6c8368ec-3776-49b5-a5bb-90648cf9530f"/>
+  </ds:schemaRefs>
+</ds:datastoreItem>
 </file>
 
-<file path=customXml/item3.xml><?xml version="1.0" encoding="utf-8"?>
-<p:properties xmlns:p="http://schemas.microsoft.com/office/2006/metadata/properties" xmlns:xsi="http://www.w3.org/2001/XMLSchema-instance" xmlns:pc="http://schemas.microsoft.com/office/infopath/2007/PartnerControls">
-  <documentManagement/>
-</p:properties>
+<file path=customXml/itemProps2.xml><?xml version="1.0" encoding="utf-8"?>
+<ds:datastoreItem xmlns:ds="http://schemas.openxmlformats.org/officeDocument/2006/customXml" ds:itemID="{941989CE-20BB-4A6A-A33F-71A1AE469C3E}">
+  <ds:schemaRefs>
+    <ds:schemaRef ds:uri="http://schemas.microsoft.com/sharepoint/v3/contenttype/forms"/>
+  </ds:schemaRefs>
+</ds:datastoreItem>
 </file>
 
-<file path=customXml/itemProps1.xml><?xml version="1.0" encoding="utf-8"?>
+<file path=customXml/itemProps3.xml><?xml version="1.0" encoding="utf-8"?>
 <ds:datastoreItem xmlns:ds="http://schemas.openxmlformats.org/officeDocument/2006/customXml" ds:itemID="{FB2EBF8D-136B-48EC-8FC0-F70C0583664B}">
   <ds:schemaRefs>
     <ds:schemaRef ds:uri="6c8368ec-3776-49b5-a5bb-90648cf9530f"/>
@@ -18934,29 +19443,4 @@
     <ds:schemaRef ds:uri="http://www.w3.org/2001/XMLSchema"/>
   </ds:schemaRefs>
 </ds:datastoreItem>
-</file>
-
-<file path=customXml/itemProps2.xml><?xml version="1.0" encoding="utf-8"?>
-<ds:datastoreItem xmlns:ds="http://schemas.openxmlformats.org/officeDocument/2006/customXml" ds:itemID="{941989CE-20BB-4A6A-A33F-71A1AE469C3E}">
-  <ds:schemaRefs>
-    <ds:schemaRef ds:uri="http://schemas.microsoft.com/sharepoint/v3/contenttype/forms"/>
-  </ds:schemaRefs>
-</ds:datastoreItem>
-</file>
-
-<file path=customXml/itemProps3.xml><?xml version="1.0" encoding="utf-8"?>
-<ds:datastoreItem xmlns:ds="http://schemas.openxmlformats.org/officeDocument/2006/customXml" ds:itemID="{ED4099BE-EDEC-4FF1-8378-446617236015}">
-  <ds:schemaRefs>
-    <ds:schemaRef ds:uri="http://www.w3.org/XML/1998/namespace"/>
-    <ds:schemaRef ds:uri="8a053bff-88be-49e4-9a87-e748e18b8b62"/>
-    <ds:schemaRef ds:uri="http://purl.org/dc/terms/"/>
-    <ds:schemaRef ds:uri="http://purl.org/dc/dcmitype/"/>
-    <ds:schemaRef ds:uri="http://schemas.microsoft.com/office/2006/documentManagement/types"/>
-    <ds:schemaRef ds:uri="6c8368ec-3776-49b5-a5bb-90648cf9530f"/>
-    <ds:schemaRef ds:uri="http://purl.org/dc/elements/1.1/"/>
-    <ds:schemaRef ds:uri="http://schemas.microsoft.com/office/2006/metadata/properties"/>
-    <ds:schemaRef ds:uri="http://schemas.microsoft.com/office/infopath/2007/PartnerControls"/>
-    <ds:schemaRef ds:uri="http://schemas.openxmlformats.org/package/2006/metadata/core-properties"/>
-  </ds:schemaRefs>
-</ds:datastoreItem>
 </file>